--- a/ppt/7 一维数组.pptx
+++ b/ppt/7 一维数组.pptx
@@ -246,7 +246,7 @@
           <a:p>
             <a:fld id="{66C3546E-20F6-7649-A9A4-4E4A245D3E82}" type="datetimeFigureOut">
               <a:rPr kumimoji="1" lang="zh-CN" altLang="en-US" smtClean="0"/>
-              <a:t>2020/3/7</a:t>
+              <a:t>2020/3/8</a:t>
             </a:fld>
             <a:endParaRPr kumimoji="1" lang="zh-CN" altLang="en-US"/>
           </a:p>
@@ -2313,7 +2313,7 @@
           <a:p>
             <a:fld id="{1C49BB65-7B3F-4D4E-A397-BBFD82890A5A}" type="datetimeFigureOut">
               <a:rPr kumimoji="1" lang="zh-CN" altLang="en-US" smtClean="0"/>
-              <a:t>2020/3/7</a:t>
+              <a:t>2020/3/8</a:t>
             </a:fld>
             <a:endParaRPr kumimoji="1" lang="zh-CN" altLang="en-US"/>
           </a:p>
@@ -2511,7 +2511,7 @@
           <a:p>
             <a:fld id="{1C49BB65-7B3F-4D4E-A397-BBFD82890A5A}" type="datetimeFigureOut">
               <a:rPr kumimoji="1" lang="zh-CN" altLang="en-US" smtClean="0"/>
-              <a:t>2020/3/7</a:t>
+              <a:t>2020/3/8</a:t>
             </a:fld>
             <a:endParaRPr kumimoji="1" lang="zh-CN" altLang="en-US"/>
           </a:p>
@@ -2719,7 +2719,7 @@
           <a:p>
             <a:fld id="{1C49BB65-7B3F-4D4E-A397-BBFD82890A5A}" type="datetimeFigureOut">
               <a:rPr kumimoji="1" lang="zh-CN" altLang="en-US" smtClean="0"/>
-              <a:t>2020/3/7</a:t>
+              <a:t>2020/3/8</a:t>
             </a:fld>
             <a:endParaRPr kumimoji="1" lang="zh-CN" altLang="en-US"/>
           </a:p>
@@ -2917,7 +2917,7 @@
           <a:p>
             <a:fld id="{1C49BB65-7B3F-4D4E-A397-BBFD82890A5A}" type="datetimeFigureOut">
               <a:rPr kumimoji="1" lang="zh-CN" altLang="en-US" smtClean="0"/>
-              <a:t>2020/3/7</a:t>
+              <a:t>2020/3/8</a:t>
             </a:fld>
             <a:endParaRPr kumimoji="1" lang="zh-CN" altLang="en-US"/>
           </a:p>
@@ -3192,7 +3192,7 @@
           <a:p>
             <a:fld id="{1C49BB65-7B3F-4D4E-A397-BBFD82890A5A}" type="datetimeFigureOut">
               <a:rPr kumimoji="1" lang="zh-CN" altLang="en-US" smtClean="0"/>
-              <a:t>2020/3/7</a:t>
+              <a:t>2020/3/8</a:t>
             </a:fld>
             <a:endParaRPr kumimoji="1" lang="zh-CN" altLang="en-US"/>
           </a:p>
@@ -3457,7 +3457,7 @@
           <a:p>
             <a:fld id="{1C49BB65-7B3F-4D4E-A397-BBFD82890A5A}" type="datetimeFigureOut">
               <a:rPr kumimoji="1" lang="zh-CN" altLang="en-US" smtClean="0"/>
-              <a:t>2020/3/7</a:t>
+              <a:t>2020/3/8</a:t>
             </a:fld>
             <a:endParaRPr kumimoji="1" lang="zh-CN" altLang="en-US"/>
           </a:p>
@@ -3869,7 +3869,7 @@
           <a:p>
             <a:fld id="{1C49BB65-7B3F-4D4E-A397-BBFD82890A5A}" type="datetimeFigureOut">
               <a:rPr kumimoji="1" lang="zh-CN" altLang="en-US" smtClean="0"/>
-              <a:t>2020/3/7</a:t>
+              <a:t>2020/3/8</a:t>
             </a:fld>
             <a:endParaRPr kumimoji="1" lang="zh-CN" altLang="en-US"/>
           </a:p>
@@ -4010,7 +4010,7 @@
           <a:p>
             <a:fld id="{1C49BB65-7B3F-4D4E-A397-BBFD82890A5A}" type="datetimeFigureOut">
               <a:rPr kumimoji="1" lang="zh-CN" altLang="en-US" smtClean="0"/>
-              <a:t>2020/3/7</a:t>
+              <a:t>2020/3/8</a:t>
             </a:fld>
             <a:endParaRPr kumimoji="1" lang="zh-CN" altLang="en-US"/>
           </a:p>
@@ -4380,7 +4380,7 @@
           <a:p>
             <a:fld id="{1C49BB65-7B3F-4D4E-A397-BBFD82890A5A}" type="datetimeFigureOut">
               <a:rPr kumimoji="1" lang="zh-CN" altLang="en-US" smtClean="0"/>
-              <a:t>2020/3/7</a:t>
+              <a:t>2020/3/8</a:t>
             </a:fld>
             <a:endParaRPr kumimoji="1" lang="zh-CN" altLang="en-US"/>
           </a:p>
@@ -4668,7 +4668,7 @@
           <a:p>
             <a:fld id="{1C49BB65-7B3F-4D4E-A397-BBFD82890A5A}" type="datetimeFigureOut">
               <a:rPr kumimoji="1" lang="zh-CN" altLang="en-US" smtClean="0"/>
-              <a:t>2020/3/7</a:t>
+              <a:t>2020/3/8</a:t>
             </a:fld>
             <a:endParaRPr kumimoji="1" lang="zh-CN" altLang="en-US"/>
           </a:p>
@@ -4909,7 +4909,7 @@
           <a:p>
             <a:fld id="{1C49BB65-7B3F-4D4E-A397-BBFD82890A5A}" type="datetimeFigureOut">
               <a:rPr kumimoji="1" lang="zh-CN" altLang="en-US" smtClean="0"/>
-              <a:t>2020/3/7</a:t>
+              <a:t>2020/3/8</a:t>
             </a:fld>
             <a:endParaRPr kumimoji="1" lang="zh-CN" altLang="en-US"/>
           </a:p>
@@ -8964,8 +8964,8 @@
         </p:nvSpPr>
         <p:spPr>
           <a:xfrm>
-            <a:off x="4546653" y="5255655"/>
-            <a:ext cx="3682517" cy="523220"/>
+            <a:off x="4078821" y="4976037"/>
+            <a:ext cx="4618612" cy="523220"/>
           </a:xfrm>
           <a:prstGeom prst="rect">
             <a:avLst/>
@@ -9002,8 +9002,21 @@
                   <a:schemeClr val="bg1"/>
                 </a:solidFill>
               </a:rPr>
-              <a:t>个简单的例子</a:t>
-            </a:r>
+              <a:t>个简单的例子 </a:t>
+            </a:r>
+            <a:r>
+              <a:rPr kumimoji="1" lang="en-US" altLang="zh-CN" sz="2800" dirty="0">
+                <a:solidFill>
+                  <a:schemeClr val="bg1"/>
+                </a:solidFill>
+              </a:rPr>
+              <a:t>7.2.6</a:t>
+            </a:r>
+            <a:endParaRPr kumimoji="1" lang="zh-CN" altLang="en-US" sz="2800" dirty="0">
+              <a:solidFill>
+                <a:schemeClr val="bg1"/>
+              </a:solidFill>
+            </a:endParaRPr>
           </a:p>
         </p:txBody>
       </p:sp>
